--- a/Prospective Study MCI BIA.pptx
+++ b/Prospective Study MCI BIA.pptx
@@ -5,10 +5,10 @@
     <p:sldMasterId id="2147483648" r:id="rId1"/>
   </p:sldMasterIdLst>
   <p:notesMasterIdLst>
-    <p:notesMasterId r:id="rId8"/>
+    <p:notesMasterId r:id="rId10"/>
   </p:notesMasterIdLst>
   <p:handoutMasterIdLst>
-    <p:handoutMasterId r:id="rId9"/>
+    <p:handoutMasterId r:id="rId11"/>
   </p:handoutMasterIdLst>
   <p:sldIdLst>
     <p:sldId id="256" r:id="rId2"/>
@@ -16,7 +16,9 @@
     <p:sldId id="274" r:id="rId4"/>
     <p:sldId id="275" r:id="rId5"/>
     <p:sldId id="276" r:id="rId6"/>
-    <p:sldId id="272" r:id="rId7"/>
+    <p:sldId id="277" r:id="rId7"/>
+    <p:sldId id="278" r:id="rId8"/>
+    <p:sldId id="272" r:id="rId9"/>
   </p:sldIdLst>
   <p:sldSz cx="10693400" cy="7561263"/>
   <p:notesSz cx="9874250" cy="6797675"/>
@@ -757,21 +759,55 @@
           <a:p>
             <a:pPr algn="l"/>
             <a:r>
-              <a:rPr lang="en-US" altLang="ko-KR" b="0" i="0" dirty="0">
-                <a:effectLst/>
-                <a:latin typeface="fkGrotesk"/>
-              </a:rPr>
-              <a:t>Transition Matrix &amp; Trajectory Grouping with </a:t>
-            </a:r>
-            <a:r>
-              <a:rPr lang="en-US" altLang="ko-KR" b="0" i="0" dirty="0">
-                <a:effectLst/>
-                <a:latin typeface="fkGroteskNeue"/>
-              </a:rPr>
-              <a:t>Participants with ≥2 longitudinal visits (N=349)</a:t>
-            </a:r>
-          </a:p>
-          <a:p>
+              <a:rPr lang="en-US" dirty="0"/>
+              <a:t>This week, I learned from R scripts provided by </a:t>
+            </a:r>
+            <a:r>
+              <a:rPr lang="en-US" dirty="0" err="1"/>
+              <a:t>DieuNi</a:t>
+            </a:r>
+            <a:r>
+              <a:rPr lang="en-US" dirty="0"/>
+              <a:t> and Joel. After that, I started </a:t>
+            </a:r>
+            <a:r>
+              <a:rPr lang="en-US" b="1" dirty="0"/>
+              <a:t>Preprocessing</a:t>
+            </a:r>
+            <a:r>
+              <a:rPr lang="en-US" dirty="0"/>
+              <a:t> with</a:t>
+            </a:r>
+          </a:p>
+          <a:p>
+            <a:pPr algn="l"/>
+            <a:endParaRPr lang="en-US" altLang="ko-KR" b="0" i="0" dirty="0">
+              <a:effectLst/>
+              <a:latin typeface="fkGrotesk"/>
+            </a:endParaRPr>
+          </a:p>
+          <a:p>
+            <a:pPr algn="l"/>
+            <a:r>
+              <a:rPr lang="en-US" dirty="0"/>
+              <a:t>Next, I started filtering for participants who had </a:t>
+            </a:r>
+            <a:r>
+              <a:rPr lang="en-US" b="1" dirty="0"/>
+              <a:t>two or more longitudinal visits</a:t>
+            </a:r>
+            <a:r>
+              <a:rPr lang="en-US" dirty="0"/>
+              <a:t>, resulting in a total of </a:t>
+            </a:r>
+            <a:r>
+              <a:rPr lang="en-US" b="1" dirty="0"/>
+              <a:t>349 participants</a:t>
+            </a:r>
+            <a:r>
+              <a:rPr lang="en-US" dirty="0"/>
+              <a:t>.</a:t>
+            </a:r>
             <a:endParaRPr lang="ko-KR" altLang="en-US" dirty="0"/>
           </a:p>
         </p:txBody>
@@ -833,23 +869,91 @@
           <a:bodyPr/>
           <a:lstStyle/>
           <a:p>
-            <a:pPr algn="l"/>
-            <a:r>
-              <a:rPr lang="en-US" altLang="ko-KR" b="0" i="0" dirty="0">
-                <a:effectLst/>
-                <a:latin typeface="fkGrotesk"/>
-              </a:rPr>
-              <a:t>Transition Matrix &amp; Trajectory Grouping with </a:t>
-            </a:r>
-            <a:r>
-              <a:rPr lang="en-US" altLang="ko-KR" b="0" i="0" dirty="0">
-                <a:effectLst/>
-                <a:latin typeface="fkGroteskNeue"/>
-              </a:rPr>
-              <a:t>Participants with ≥2 longitudinal visits (N=349)</a:t>
-            </a:r>
-          </a:p>
-          <a:p>
+            <a:r>
+              <a:rPr lang="en-US" dirty="0"/>
+              <a:t>Below are the subgroups. I will begin with </a:t>
+            </a:r>
+            <a:r>
+              <a:rPr lang="en-US" b="1" dirty="0"/>
+              <a:t>Stable CN</a:t>
+            </a:r>
+            <a:r>
+              <a:rPr lang="en-US" dirty="0"/>
+              <a:t> (Cognitively Normal) and </a:t>
+            </a:r>
+            <a:r>
+              <a:rPr lang="en-US" b="1" dirty="0"/>
+              <a:t>Progressive CN</a:t>
+            </a:r>
+            <a:r>
+              <a:rPr lang="en-US" dirty="0"/>
+              <a:t>. However, the sample size for Progressive CN is quite small. Therefore, I'm including </a:t>
+            </a:r>
+            <a:r>
+              <a:rPr lang="en-US" b="1" dirty="0"/>
+              <a:t>intermediate converters</a:t>
+            </a:r>
+            <a:r>
+              <a:rPr lang="en-US" dirty="0"/>
+              <a:t> to add </a:t>
+            </a:r>
+            <a:r>
+              <a:rPr lang="en-US" b="1" dirty="0"/>
+              <a:t>6 subjects</a:t>
+            </a:r>
+            <a:r>
+              <a:rPr lang="en-US" dirty="0"/>
+              <a:t>, increasing the current number to </a:t>
+            </a:r>
+            <a:r>
+              <a:rPr lang="en-US" b="1" dirty="0"/>
+              <a:t>27</a:t>
+            </a:r>
+            <a:r>
+              <a:rPr lang="en-US" dirty="0"/>
+              <a:t>. I then filtered further by excluding subjects with less than </a:t>
+            </a:r>
+            <a:r>
+              <a:rPr lang="en-US" b="1" dirty="0"/>
+              <a:t>11 months</a:t>
+            </a:r>
+            <a:r>
+              <a:rPr lang="en-US" dirty="0"/>
+              <a:t> of follow-up. The current total is </a:t>
+            </a:r>
+            <a:r>
+              <a:rPr lang="en-US" b="1" dirty="0"/>
+              <a:t>25</a:t>
+            </a:r>
+            <a:r>
+              <a:rPr lang="en-US" dirty="0"/>
+              <a:t>.</a:t>
+            </a:r>
+          </a:p>
+          <a:p>
+            <a:endParaRPr lang="en-US" altLang="ko-KR" dirty="0"/>
+          </a:p>
+          <a:p>
+            <a:r>
+              <a:rPr lang="en-US" dirty="0"/>
+              <a:t>I would like to ask the professor for an opinion on the </a:t>
+            </a:r>
+            <a:r>
+              <a:rPr lang="en-US" b="1" dirty="0"/>
+              <a:t>11-month filtering threshold</a:t>
+            </a:r>
+            <a:r>
+              <a:rPr lang="en-US" dirty="0"/>
+              <a:t>. I believe that below this threshold, specifically, there are </a:t>
+            </a:r>
+            <a:r>
+              <a:rPr lang="en-US" b="1" dirty="0"/>
+              <a:t>some subjects with a follow-up duration of 3 to 6 or 8 months</a:t>
+            </a:r>
+            <a:r>
+              <a:rPr lang="en-US" dirty="0"/>
+              <a:t>. Is that cutoff appropriate?</a:t>
+            </a:r>
             <a:endParaRPr lang="ko-KR" altLang="en-US" dirty="0"/>
           </a:p>
         </p:txBody>
@@ -911,23 +1015,99 @@
           <a:bodyPr/>
           <a:lstStyle/>
           <a:p>
-            <a:pPr algn="l"/>
-            <a:r>
-              <a:rPr lang="en-US" altLang="ko-KR" b="0" i="0" dirty="0">
-                <a:effectLst/>
-                <a:latin typeface="fkGrotesk"/>
-              </a:rPr>
-              <a:t>Transition Matrix &amp; Trajectory Grouping with </a:t>
-            </a:r>
-            <a:r>
-              <a:rPr lang="en-US" altLang="ko-KR" b="0" i="0" dirty="0">
-                <a:effectLst/>
-                <a:latin typeface="fkGroteskNeue"/>
-              </a:rPr>
-              <a:t>Participants with ≥2 longitudinal visits (N=349)</a:t>
-            </a:r>
-          </a:p>
-          <a:p>
+            <a:r>
+              <a:rPr lang="en-US" dirty="0"/>
+              <a:t>Next, I proceeded to </a:t>
+            </a:r>
+            <a:r>
+              <a:rPr lang="en-US" b="1" dirty="0"/>
+              <a:t>compare the two groups at baseline</a:t>
+            </a:r>
+            <a:r>
+              <a:rPr lang="en-US" dirty="0"/>
+              <a:t>. I first performed the </a:t>
+            </a:r>
+            <a:r>
+              <a:rPr lang="en-US" b="1" dirty="0"/>
+              <a:t>Shapiro test</a:t>
+            </a:r>
+            <a:r>
+              <a:rPr lang="en-US" dirty="0"/>
+              <a:t>, and then selected either the </a:t>
+            </a:r>
+            <a:r>
+              <a:rPr lang="en-US" b="1" dirty="0"/>
+              <a:t>t-test</a:t>
+            </a:r>
+            <a:r>
+              <a:rPr lang="en-US" dirty="0"/>
+              <a:t> or the </a:t>
+            </a:r>
+            <a:r>
+              <a:rPr lang="en-US" b="1" dirty="0"/>
+              <a:t>U-test</a:t>
+            </a:r>
+            <a:r>
+              <a:rPr lang="en-US" dirty="0"/>
+              <a:t> for each </a:t>
+            </a:r>
+            <a:r>
+              <a:rPr lang="en-US" b="1" dirty="0"/>
+              <a:t>continuous variable</a:t>
+            </a:r>
+            <a:r>
+              <a:rPr lang="en-US" dirty="0"/>
+              <a:t>, and the </a:t>
+            </a:r>
+            <a:r>
+              <a:rPr lang="en-US" b="1" dirty="0"/>
+              <a:t>Chi-squared test</a:t>
+            </a:r>
+            <a:r>
+              <a:rPr lang="en-US" dirty="0"/>
+              <a:t> for the </a:t>
+            </a:r>
+            <a:r>
+              <a:rPr lang="en-US" b="1" dirty="0"/>
+              <a:t>categorical variables</a:t>
+            </a:r>
+            <a:r>
+              <a:rPr lang="en-US" dirty="0"/>
+              <a:t>.</a:t>
+            </a:r>
+          </a:p>
+          <a:p>
+            <a:endParaRPr lang="en-US" altLang="ko-KR" dirty="0"/>
+          </a:p>
+          <a:p>
+            <a:r>
+              <a:rPr lang="en-US" dirty="0"/>
+              <a:t>The preliminary show </a:t>
+            </a:r>
+            <a:r>
+              <a:rPr lang="en-US" b="1" dirty="0"/>
+              <a:t>statistically significant differences</a:t>
+            </a:r>
+            <a:r>
+              <a:rPr lang="en-US" dirty="0"/>
+              <a:t> in </a:t>
+            </a:r>
+            <a:r>
+              <a:rPr lang="en-US" b="1" dirty="0"/>
+              <a:t>height</a:t>
+            </a:r>
+            <a:r>
+              <a:rPr lang="en-US" dirty="0"/>
+              <a:t> and </a:t>
+            </a:r>
+            <a:r>
+              <a:rPr lang="en-US" b="1" dirty="0"/>
+              <a:t>years of education</a:t>
+            </a:r>
+            <a:r>
+              <a:rPr lang="en-US" dirty="0"/>
+              <a:t>.</a:t>
+            </a:r>
             <a:endParaRPr lang="ko-KR" altLang="en-US" dirty="0"/>
           </a:p>
         </p:txBody>
@@ -989,21 +1169,66 @@
           <a:bodyPr/>
           <a:lstStyle/>
           <a:p>
-            <a:pPr algn="l"/>
-            <a:r>
-              <a:rPr lang="en-US" altLang="ko-KR" b="0" i="0" dirty="0">
-                <a:effectLst/>
+            <a:pPr marL="0" marR="0" lvl="0" indent="0" algn="l" defTabSz="914400" rtl="0" eaLnBrk="1" fontAlgn="auto" latinLnBrk="1" hangingPunct="1">
+              <a:lnSpc>
+                <a:spcPct val="100000"/>
+              </a:lnSpc>
+              <a:spcBef>
+                <a:spcPts val="0"/>
+              </a:spcBef>
+              <a:spcAft>
+                <a:spcPts val="0"/>
+              </a:spcAft>
+              <a:buClrTx/>
+              <a:buSzTx/>
+              <a:buFontTx/>
+              <a:buNone/>
+              <a:tabLst/>
+              <a:defRPr/>
+            </a:pPr>
+            <a:r>
+              <a:rPr lang="en-US" dirty="0"/>
+              <a:t>Next, I used </a:t>
+            </a:r>
+            <a:r>
+              <a:rPr lang="en-US" b="1" dirty="0"/>
+              <a:t>ANCOVA</a:t>
+            </a:r>
+            <a:r>
+              <a:rPr lang="en-US" dirty="0"/>
+              <a:t> to </a:t>
+            </a:r>
+            <a:r>
+              <a:rPr lang="en-US" b="1" dirty="0"/>
+              <a:t>evaluate the BIA variables between the two groups upon</a:t>
+            </a:r>
+            <a:r>
+              <a:rPr lang="en-US" dirty="0">
                 <a:latin typeface="fkGrotesk"/>
               </a:rPr>
-              <a:t>Transition Matrix &amp; Trajectory Grouping with </a:t>
-            </a:r>
-            <a:r>
-              <a:rPr lang="en-US" altLang="ko-KR" b="0" i="0" dirty="0">
-                <a:effectLst/>
-                <a:latin typeface="fkGroteskNeue"/>
-              </a:rPr>
-              <a:t>Participants with ≥2 longitudinal visits (N=349)</a:t>
-            </a:r>
+              <a:t> controlling for age, sex, education &amp; GDS score</a:t>
+            </a:r>
+            <a:r>
+              <a:rPr lang="en-US" dirty="0"/>
+              <a:t>, as shown in </a:t>
+            </a:r>
+            <a:r>
+              <a:rPr lang="en-US" b="1" dirty="0"/>
+              <a:t>Tables 2 and 3</a:t>
+            </a:r>
+            <a:r>
+              <a:rPr lang="en-US" dirty="0"/>
+              <a:t>. Currently, the only baseline difference is observed in </a:t>
+            </a:r>
+            <a:r>
+              <a:rPr lang="en-US" b="1" dirty="0"/>
+              <a:t>Water Lean (upper)</a:t>
+            </a:r>
+            <a:r>
+              <a:rPr lang="en-US" dirty="0"/>
+              <a:t>.</a:t>
+            </a:r>
+            <a:endParaRPr lang="ko-KR" altLang="en-US" dirty="0"/>
           </a:p>
           <a:p>
             <a:endParaRPr lang="ko-KR" altLang="en-US" dirty="0"/>
@@ -1024,6 +1249,176 @@
 </file>
 
 <file path=ppt/notesSlides/notesSlide6.xml><?xml version="1.0" encoding="utf-8"?>
+<p:notes xmlns:a="http://schemas.openxmlformats.org/drawingml/2006/main" xmlns:r="http://schemas.openxmlformats.org/officeDocument/2006/relationships" xmlns:p="http://schemas.openxmlformats.org/presentationml/2006/main">
+  <p:cSld>
+    <p:spTree>
+      <p:nvGrpSpPr>
+        <p:cNvPr id="1" name="">
+          <a:extLst>
+            <a:ext uri="{FF2B5EF4-FFF2-40B4-BE49-F238E27FC236}">
+              <a16:creationId xmlns:a16="http://schemas.microsoft.com/office/drawing/2014/main" id="{52D7F39C-441D-FA28-4E72-06E6B1A18C5B}"/>
+            </a:ext>
+          </a:extLst>
+        </p:cNvPr>
+        <p:cNvGrpSpPr/>
+        <p:nvPr/>
+      </p:nvGrpSpPr>
+      <p:grpSpPr>
+        <a:xfrm>
+          <a:off x="0" y="0"/>
+          <a:ext cx="0" cy="0"/>
+          <a:chOff x="0" y="0"/>
+          <a:chExt cx="0" cy="0"/>
+        </a:xfrm>
+      </p:grpSpPr>
+      <p:sp>
+        <p:nvSpPr>
+          <p:cNvPr id="2" name="슬라이드 이미지 개체 틀 1">
+            <a:extLst>
+              <a:ext uri="{FF2B5EF4-FFF2-40B4-BE49-F238E27FC236}">
+                <a16:creationId xmlns:a16="http://schemas.microsoft.com/office/drawing/2014/main" id="{56A21CD1-C119-4244-2AEF-06F6B6C8F721}"/>
+              </a:ext>
+            </a:extLst>
+          </p:cNvPr>
+          <p:cNvSpPr>
+            <a:spLocks noGrp="1" noRot="1" noChangeAspect="1"/>
+          </p:cNvSpPr>
+          <p:nvPr>
+            <p:ph type="sldImg"/>
+          </p:nvPr>
+        </p:nvSpPr>
+        <p:spPr/>
+      </p:sp>
+      <p:sp>
+        <p:nvSpPr>
+          <p:cNvPr id="3" name="슬라이드 노트 개체 틀 2">
+            <a:extLst>
+              <a:ext uri="{FF2B5EF4-FFF2-40B4-BE49-F238E27FC236}">
+                <a16:creationId xmlns:a16="http://schemas.microsoft.com/office/drawing/2014/main" id="{D9DAE7CA-1C92-E027-DFF0-738761147286}"/>
+              </a:ext>
+            </a:extLst>
+          </p:cNvPr>
+          <p:cNvSpPr>
+            <a:spLocks noGrp="1"/>
+          </p:cNvSpPr>
+          <p:nvPr>
+            <p:ph type="body" idx="1"/>
+          </p:nvPr>
+        </p:nvSpPr>
+        <p:spPr/>
+        <p:txBody>
+          <a:bodyPr/>
+          <a:lstStyle/>
+          <a:p>
+            <a:endParaRPr lang="ko-KR" altLang="en-US" dirty="0"/>
+          </a:p>
+        </p:txBody>
+      </p:sp>
+    </p:spTree>
+    <p:extLst>
+      <p:ext uri="{BB962C8B-B14F-4D97-AF65-F5344CB8AC3E}">
+        <p14:creationId xmlns:p14="http://schemas.microsoft.com/office/powerpoint/2010/main" val="2869207831"/>
+      </p:ext>
+    </p:extLst>
+  </p:cSld>
+  <p:clrMapOvr>
+    <a:masterClrMapping/>
+  </p:clrMapOvr>
+</p:notes>
+</file>
+
+<file path=ppt/notesSlides/notesSlide7.xml><?xml version="1.0" encoding="utf-8"?>
+<p:notes xmlns:a="http://schemas.openxmlformats.org/drawingml/2006/main" xmlns:r="http://schemas.openxmlformats.org/officeDocument/2006/relationships" xmlns:p="http://schemas.openxmlformats.org/presentationml/2006/main">
+  <p:cSld>
+    <p:spTree>
+      <p:nvGrpSpPr>
+        <p:cNvPr id="1" name="">
+          <a:extLst>
+            <a:ext uri="{FF2B5EF4-FFF2-40B4-BE49-F238E27FC236}">
+              <a16:creationId xmlns:a16="http://schemas.microsoft.com/office/drawing/2014/main" id="{27BEE16D-2BE5-6629-074D-05C863993BB5}"/>
+            </a:ext>
+          </a:extLst>
+        </p:cNvPr>
+        <p:cNvGrpSpPr/>
+        <p:nvPr/>
+      </p:nvGrpSpPr>
+      <p:grpSpPr>
+        <a:xfrm>
+          <a:off x="0" y="0"/>
+          <a:ext cx="0" cy="0"/>
+          <a:chOff x="0" y="0"/>
+          <a:chExt cx="0" cy="0"/>
+        </a:xfrm>
+      </p:grpSpPr>
+      <p:sp>
+        <p:nvSpPr>
+          <p:cNvPr id="2" name="슬라이드 이미지 개체 틀 1">
+            <a:extLst>
+              <a:ext uri="{FF2B5EF4-FFF2-40B4-BE49-F238E27FC236}">
+                <a16:creationId xmlns:a16="http://schemas.microsoft.com/office/drawing/2014/main" id="{E216EDE7-7DA9-47BE-33DC-1922DB2531D9}"/>
+              </a:ext>
+            </a:extLst>
+          </p:cNvPr>
+          <p:cNvSpPr>
+            <a:spLocks noGrp="1" noRot="1" noChangeAspect="1"/>
+          </p:cNvSpPr>
+          <p:nvPr>
+            <p:ph type="sldImg"/>
+          </p:nvPr>
+        </p:nvSpPr>
+        <p:spPr/>
+      </p:sp>
+      <p:sp>
+        <p:nvSpPr>
+          <p:cNvPr id="3" name="슬라이드 노트 개체 틀 2">
+            <a:extLst>
+              <a:ext uri="{FF2B5EF4-FFF2-40B4-BE49-F238E27FC236}">
+                <a16:creationId xmlns:a16="http://schemas.microsoft.com/office/drawing/2014/main" id="{F8E616F2-2512-BE7B-6958-3C1125822C77}"/>
+              </a:ext>
+            </a:extLst>
+          </p:cNvPr>
+          <p:cNvSpPr>
+            <a:spLocks noGrp="1"/>
+          </p:cNvSpPr>
+          <p:nvPr>
+            <p:ph type="body" idx="1"/>
+          </p:nvPr>
+        </p:nvSpPr>
+        <p:spPr/>
+        <p:txBody>
+          <a:bodyPr/>
+          <a:lstStyle/>
+          <a:p>
+            <a:r>
+              <a:rPr lang="en-US" dirty="0"/>
+              <a:t>Next week, I will continue the data analysis using </a:t>
+            </a:r>
+            <a:r>
+              <a:rPr lang="en-US" b="1" dirty="0"/>
+              <a:t>Linear Mixed Effects (LME)</a:t>
+            </a:r>
+            <a:r>
+              <a:rPr lang="en-US" dirty="0"/>
+              <a:t> models.</a:t>
+            </a:r>
+            <a:endParaRPr lang="ko-KR" altLang="en-US" dirty="0"/>
+          </a:p>
+        </p:txBody>
+      </p:sp>
+    </p:spTree>
+    <p:extLst>
+      <p:ext uri="{BB962C8B-B14F-4D97-AF65-F5344CB8AC3E}">
+        <p14:creationId xmlns:p14="http://schemas.microsoft.com/office/powerpoint/2010/main" val="1687350435"/>
+      </p:ext>
+    </p:extLst>
+  </p:cSld>
+  <p:clrMapOvr>
+    <a:masterClrMapping/>
+  </p:clrMapOvr>
+</p:notes>
+</file>
+
+<file path=ppt/notesSlides/notesSlide8.xml><?xml version="1.0" encoding="utf-8"?>
 <p:notes xmlns:a="http://schemas.openxmlformats.org/drawingml/2006/main" xmlns:r="http://schemas.openxmlformats.org/officeDocument/2006/relationships" xmlns:p="http://schemas.openxmlformats.org/presentationml/2006/main">
   <p:cSld>
     <p:spTree>
@@ -2401,7 +2796,7 @@
                 <a:effectLst/>
                 <a:latin typeface="fkGrotesk"/>
               </a:rPr>
-              <a:t>Longitudinal Bio-Impedance Study in MCI Progression</a:t>
+              <a:t>Longitudinal Bio-Impedance Study in cognitive status</a:t>
             </a:r>
           </a:p>
         </p:txBody>
@@ -2532,7 +2927,7 @@
         <p:spPr>
           <a:xfrm>
             <a:off x="594172" y="972319"/>
-            <a:ext cx="7848872" cy="2246769"/>
+            <a:ext cx="7848872" cy="1631216"/>
           </a:xfrm>
           <a:prstGeom prst="rect">
             <a:avLst/>
@@ -2590,19 +2985,6 @@
               <a:effectLst/>
               <a:latin typeface="fkGroteskNeue"/>
             </a:endParaRPr>
-          </a:p>
-          <a:p>
-            <a:pPr marL="342900" indent="-342900" algn="l">
-              <a:buFont typeface="Arial" panose="020B0604020202020204" pitchFamily="34" charset="0"/>
-              <a:buChar char="•"/>
-            </a:pPr>
-            <a:r>
-              <a:rPr lang="en-GB" altLang="ko-KR" b="0" i="0" dirty="0">
-                <a:effectLst/>
-                <a:latin typeface="fkGroteskNeue"/>
-              </a:rPr>
-              <a:t>QC: Remove constant/invalid impedance, outliers (3×IQR), require key BIA at 50 kHz in all segments.</a:t>
-            </a:r>
           </a:p>
         </p:txBody>
       </p:sp>
@@ -4150,7 +4532,7 @@
         </p:nvSpPr>
         <p:spPr>
           <a:xfrm>
-            <a:off x="4554614" y="3996655"/>
+            <a:off x="4876362" y="3504135"/>
             <a:ext cx="4779724" cy="1054237"/>
           </a:xfrm>
           <a:prstGeom prst="rect">
@@ -4365,7 +4747,7 @@
         </p:nvSpPr>
         <p:spPr>
           <a:xfrm>
-            <a:off x="695493" y="1044327"/>
+            <a:off x="695494" y="1048874"/>
             <a:ext cx="3168352" cy="3699474"/>
           </a:xfrm>
           <a:prstGeom prst="rect">
@@ -4398,6 +4780,9 @@
             </a:pPr>
             <a:r>
               <a:rPr lang="en-GB" altLang="ko-KR" b="0" i="0" dirty="0">
+                <a:solidFill>
+                  <a:schemeClr val="tx2"/>
+                </a:solidFill>
                 <a:effectLst/>
                 <a:latin typeface="fkGroteskNeue"/>
               </a:rPr>
@@ -4414,6 +4799,9 @@
             </a:pPr>
             <a:r>
               <a:rPr lang="en-GB" altLang="ko-KR" b="0" i="0" dirty="0">
+                <a:solidFill>
+                  <a:schemeClr val="tx2"/>
+                </a:solidFill>
                 <a:effectLst/>
                 <a:latin typeface="fkGroteskNeue"/>
               </a:rPr>
@@ -4441,6 +4829,9 @@
             </a:pPr>
             <a:r>
               <a:rPr lang="en-GB" altLang="ko-KR" b="0" i="0" dirty="0">
+                <a:solidFill>
+                  <a:schemeClr val="tx2"/>
+                </a:solidFill>
                 <a:effectLst/>
                 <a:latin typeface="fkGroteskNeue"/>
               </a:rPr>
@@ -4457,6 +4848,9 @@
             </a:pPr>
             <a:r>
               <a:rPr lang="en-GB" altLang="ko-KR" b="0" i="0" dirty="0">
+                <a:solidFill>
+                  <a:schemeClr val="tx2"/>
+                </a:solidFill>
                 <a:effectLst/>
                 <a:latin typeface="fkGroteskNeue"/>
               </a:rPr>
@@ -4582,6 +4976,7 @@
           </a:bodyPr>
           <a:lstStyle/>
           <a:p>
+            <a:pPr algn="ctr"/>
             <a:r>
               <a:rPr lang="en-GB" altLang="ko-KR" sz="1600" b="0" i="0" dirty="0">
                 <a:effectLst/>
@@ -4630,6 +5025,9 @@
             </a:pPr>
             <a:r>
               <a:rPr lang="fr-FR" altLang="ko-KR" b="0" i="0" dirty="0">
+                <a:solidFill>
+                  <a:schemeClr val="tx2"/>
+                </a:solidFill>
                 <a:effectLst/>
                 <a:latin typeface="fkGroteskNeue"/>
               </a:rPr>
@@ -4646,6 +5044,9 @@
             </a:pPr>
             <a:r>
               <a:rPr lang="fr-FR" altLang="ko-KR" b="0" i="0" dirty="0">
+                <a:solidFill>
+                  <a:schemeClr val="tx2"/>
+                </a:solidFill>
                 <a:effectLst/>
                 <a:latin typeface="fkGroteskNeue"/>
               </a:rPr>
@@ -4653,6 +5054,9 @@
             </a:r>
             <a:r>
               <a:rPr lang="fr-FR" altLang="ko-KR" b="1" i="0" dirty="0">
+                <a:solidFill>
+                  <a:schemeClr val="tx2"/>
+                </a:solidFill>
                 <a:effectLst/>
                 <a:latin typeface="fkGroteskNeue"/>
               </a:rPr>
@@ -4675,7 +5079,7 @@
         </p:nvSpPr>
         <p:spPr>
           <a:xfrm>
-            <a:off x="4770639" y="3996655"/>
+            <a:off x="5092387" y="3504135"/>
             <a:ext cx="4977596" cy="967957"/>
           </a:xfrm>
           <a:prstGeom prst="rect">
@@ -4698,6 +5102,9 @@
             </a:pPr>
             <a:r>
               <a:rPr lang="fr-FR" altLang="ko-KR" b="0" i="0" dirty="0">
+                <a:solidFill>
+                  <a:schemeClr val="tx2"/>
+                </a:solidFill>
                 <a:effectLst/>
                 <a:latin typeface="fkGroteskNeue"/>
               </a:rPr>
@@ -4714,6 +5121,9 @@
             </a:pPr>
             <a:r>
               <a:rPr lang="fr-FR" altLang="ko-KR" b="0" i="0" dirty="0">
+                <a:solidFill>
+                  <a:schemeClr val="tx2"/>
+                </a:solidFill>
                 <a:effectLst/>
                 <a:latin typeface="fkGroteskNeue"/>
               </a:rPr>
@@ -4721,18 +5131,36 @@
             </a:r>
             <a:r>
               <a:rPr lang="fr-FR" altLang="ko-KR" i="0" dirty="0">
+                <a:solidFill>
+                  <a:schemeClr val="tx2"/>
+                </a:solidFill>
                 <a:effectLst/>
                 <a:latin typeface="fkGroteskNeue"/>
               </a:rPr>
               <a:t> </a:t>
             </a:r>
             <a:r>
-              <a:rPr lang="fr-FR" altLang="ko-KR" dirty="0">
+              <a:rPr lang="fr-FR" altLang="ko-KR" b="1" dirty="0">
+                <a:solidFill>
+                  <a:schemeClr val="tx2"/>
+                </a:solidFill>
                 <a:latin typeface="fkGroteskNeue"/>
               </a:rPr>
-              <a:t>25 (10.7%)</a:t>
+              <a:t>25</a:t>
+            </a:r>
+            <a:r>
+              <a:rPr lang="fr-FR" altLang="ko-KR" dirty="0">
+                <a:solidFill>
+                  <a:schemeClr val="tx2"/>
+                </a:solidFill>
+                <a:latin typeface="fkGroteskNeue"/>
+              </a:rPr>
+              <a:t> (10.7%)</a:t>
             </a:r>
             <a:endParaRPr lang="fr-FR" altLang="ko-KR" i="0" dirty="0">
+              <a:solidFill>
+                <a:schemeClr val="tx2"/>
+              </a:solidFill>
               <a:effectLst/>
               <a:latin typeface="fkGroteskNeue"/>
             </a:endParaRPr>
@@ -4756,7 +5184,7 @@
         <p:spPr>
           <a:xfrm>
             <a:off x="7506940" y="2352007"/>
-            <a:ext cx="0" cy="1500632"/>
+            <a:ext cx="0" cy="974105"/>
           </a:xfrm>
           <a:prstGeom prst="straightConnector1">
             <a:avLst/>
@@ -4794,7 +5222,7 @@
         </p:nvSpPr>
         <p:spPr>
           <a:xfrm>
-            <a:off x="7578948" y="2809935"/>
+            <a:off x="7578948" y="2583787"/>
             <a:ext cx="2169287" cy="584775"/>
           </a:xfrm>
           <a:prstGeom prst="rect">
@@ -4808,6 +5236,7 @@
           </a:bodyPr>
           <a:lstStyle/>
           <a:p>
+            <a:pPr algn="ctr"/>
             <a:r>
               <a:rPr lang="en-US" altLang="ko-KR" sz="1600" b="0" i="0" dirty="0">
                 <a:effectLst/>
@@ -4882,9 +5311,16 @@
                 <a:effectLst/>
                 <a:latin typeface="fkGroteskNeue"/>
               </a:rPr>
-              <a:t>General Overview and Feasibility of Group Options</a:t>
-            </a:r>
-            <a:endParaRPr lang="ko-KR" altLang="en-US" b="1" dirty="0"/>
+              <a:t>Table 1: </a:t>
+            </a:r>
+            <a:r>
+              <a:rPr lang="en-US" altLang="ko-KR" i="0" dirty="0">
+                <a:effectLst/>
+                <a:latin typeface="fkGroteskNeue"/>
+              </a:rPr>
+              <a:t>Demographic at baseline</a:t>
+            </a:r>
+            <a:endParaRPr lang="ko-KR" altLang="en-US" dirty="0"/>
           </a:p>
         </p:txBody>
       </p:sp>
@@ -4910,38 +5346,8 @@
         </p:blipFill>
         <p:spPr>
           <a:xfrm>
-            <a:off x="234132" y="805814"/>
-            <a:ext cx="4779507" cy="6215177"/>
-          </a:xfrm>
-          <a:prstGeom prst="rect">
-            <a:avLst/>
-          </a:prstGeom>
-        </p:spPr>
-      </p:pic>
-      <p:pic>
-        <p:nvPicPr>
-          <p:cNvPr id="7" name="그림 6">
-            <a:extLst>
-              <a:ext uri="{FF2B5EF4-FFF2-40B4-BE49-F238E27FC236}">
-                <a16:creationId xmlns:a16="http://schemas.microsoft.com/office/drawing/2014/main" id="{C45566E8-780E-192A-1AB9-69D28AA3205A}"/>
-              </a:ext>
-            </a:extLst>
-          </p:cNvPr>
-          <p:cNvPicPr>
-            <a:picLocks noChangeAspect="1"/>
-          </p:cNvPicPr>
-          <p:nvPr/>
-        </p:nvPicPr>
-        <p:blipFill>
-          <a:blip r:embed="rId4"/>
-          <a:stretch>
-            <a:fillRect/>
-          </a:stretch>
-        </p:blipFill>
-        <p:spPr>
-          <a:xfrm>
-            <a:off x="5679763" y="810101"/>
-            <a:ext cx="4392488" cy="6498923"/>
+            <a:off x="2610396" y="685049"/>
+            <a:ext cx="5111754" cy="6647225"/>
           </a:xfrm>
           <a:prstGeom prst="rect">
             <a:avLst/>
@@ -4992,8 +5398,8 @@
         </p:nvSpPr>
         <p:spPr>
           <a:xfrm>
-            <a:off x="378148" y="252239"/>
-            <a:ext cx="6984776" cy="400110"/>
+            <a:off x="378148" y="180231"/>
+            <a:ext cx="8496944" cy="707886"/>
           </a:xfrm>
           <a:prstGeom prst="rect">
             <a:avLst/>
@@ -5007,16 +5413,55 @@
           <a:lstStyle/>
           <a:p>
             <a:r>
-              <a:rPr lang="en-US" altLang="ko-KR" b="1" i="0" dirty="0">
-                <a:effectLst/>
-                <a:latin typeface="fkGroteskNeue"/>
+              <a:rPr lang="en-US" altLang="ko-KR" b="1" dirty="0">
+                <a:latin typeface="fkGrotesk"/>
+                <a:cs typeface="Arial" panose="020B0604020202020204" pitchFamily="34" charset="0"/>
               </a:rPr>
-              <a:t>General Overview and Feasibility of Group Options</a:t>
-            </a:r>
-            <a:endParaRPr lang="ko-KR" altLang="en-US" b="1" dirty="0"/>
+              <a:t>Table 2: </a:t>
+            </a:r>
+            <a:r>
+              <a:rPr lang="en-US" dirty="0">
+                <a:latin typeface="fkGrotesk"/>
+              </a:rPr>
+              <a:t>Anthropometry and whole-body composition in 2 groups upon controlling for age, sex, education &amp; GDS score in baseline.</a:t>
+            </a:r>
+            <a:endParaRPr lang="ko-KR" altLang="en-US" dirty="0">
+              <a:latin typeface="fkGrotesk"/>
+              <a:cs typeface="Arial" panose="020B0604020202020204" pitchFamily="34" charset="0"/>
+            </a:endParaRPr>
           </a:p>
         </p:txBody>
       </p:sp>
+      <p:pic>
+        <p:nvPicPr>
+          <p:cNvPr id="4" name="Picture 3">
+            <a:extLst>
+              <a:ext uri="{FF2B5EF4-FFF2-40B4-BE49-F238E27FC236}">
+                <a16:creationId xmlns:a16="http://schemas.microsoft.com/office/drawing/2014/main" id="{139AAA5F-9964-5C3B-C811-0C9C0A4D25A6}"/>
+              </a:ext>
+            </a:extLst>
+          </p:cNvPr>
+          <p:cNvPicPr>
+            <a:picLocks noChangeAspect="1"/>
+          </p:cNvPicPr>
+          <p:nvPr/>
+        </p:nvPicPr>
+        <p:blipFill>
+          <a:blip r:embed="rId3"/>
+          <a:stretch>
+            <a:fillRect/>
+          </a:stretch>
+        </p:blipFill>
+        <p:spPr>
+          <a:xfrm>
+            <a:off x="164377" y="1116335"/>
+            <a:ext cx="10364646" cy="4772691"/>
+          </a:xfrm>
+          <a:prstGeom prst="rect">
+            <a:avLst/>
+          </a:prstGeom>
+        </p:spPr>
+      </p:pic>
     </p:spTree>
     <p:extLst>
       <p:ext uri="{BB962C8B-B14F-4D97-AF65-F5344CB8AC3E}">
@@ -5031,6 +5476,313 @@
 </file>
 
 <file path=ppt/slides/slide6.xml><?xml version="1.0" encoding="utf-8"?>
+<p:sld xmlns:a="http://schemas.openxmlformats.org/drawingml/2006/main" xmlns:r="http://schemas.openxmlformats.org/officeDocument/2006/relationships" xmlns:p="http://schemas.openxmlformats.org/presentationml/2006/main">
+  <p:cSld>
+    <p:spTree>
+      <p:nvGrpSpPr>
+        <p:cNvPr id="1" name="">
+          <a:extLst>
+            <a:ext uri="{FF2B5EF4-FFF2-40B4-BE49-F238E27FC236}">
+              <a16:creationId xmlns:a16="http://schemas.microsoft.com/office/drawing/2014/main" id="{7943032D-FFAD-6EE0-10BA-4620066589D9}"/>
+            </a:ext>
+          </a:extLst>
+        </p:cNvPr>
+        <p:cNvGrpSpPr/>
+        <p:nvPr/>
+      </p:nvGrpSpPr>
+      <p:grpSpPr>
+        <a:xfrm>
+          <a:off x="0" y="0"/>
+          <a:ext cx="0" cy="0"/>
+          <a:chOff x="0" y="0"/>
+          <a:chExt cx="0" cy="0"/>
+        </a:xfrm>
+      </p:grpSpPr>
+      <p:pic>
+        <p:nvPicPr>
+          <p:cNvPr id="5" name="Picture 4">
+            <a:extLst>
+              <a:ext uri="{FF2B5EF4-FFF2-40B4-BE49-F238E27FC236}">
+                <a16:creationId xmlns:a16="http://schemas.microsoft.com/office/drawing/2014/main" id="{A6F24C78-840A-3DBC-0156-DF59782735E1}"/>
+              </a:ext>
+            </a:extLst>
+          </p:cNvPr>
+          <p:cNvPicPr>
+            <a:picLocks noChangeAspect="1"/>
+          </p:cNvPicPr>
+          <p:nvPr/>
+        </p:nvPicPr>
+        <p:blipFill>
+          <a:blip r:embed="rId3"/>
+          <a:stretch>
+            <a:fillRect/>
+          </a:stretch>
+        </p:blipFill>
+        <p:spPr>
+          <a:xfrm>
+            <a:off x="0" y="903410"/>
+            <a:ext cx="10693400" cy="6385944"/>
+          </a:xfrm>
+          <a:prstGeom prst="rect">
+            <a:avLst/>
+          </a:prstGeom>
+        </p:spPr>
+      </p:pic>
+      <p:sp>
+        <p:nvSpPr>
+          <p:cNvPr id="6" name="TextBox 5">
+            <a:extLst>
+              <a:ext uri="{FF2B5EF4-FFF2-40B4-BE49-F238E27FC236}">
+                <a16:creationId xmlns:a16="http://schemas.microsoft.com/office/drawing/2014/main" id="{499DF7FA-2F5F-7E95-B81A-BF70EA3DC4F7}"/>
+              </a:ext>
+            </a:extLst>
+          </p:cNvPr>
+          <p:cNvSpPr txBox="1"/>
+          <p:nvPr/>
+        </p:nvSpPr>
+        <p:spPr>
+          <a:xfrm>
+            <a:off x="378148" y="195524"/>
+            <a:ext cx="8280920" cy="707886"/>
+          </a:xfrm>
+          <a:prstGeom prst="rect">
+            <a:avLst/>
+          </a:prstGeom>
+          <a:noFill/>
+        </p:spPr>
+        <p:txBody>
+          <a:bodyPr wrap="square">
+            <a:spAutoFit/>
+          </a:bodyPr>
+          <a:lstStyle/>
+          <a:p>
+            <a:r>
+              <a:rPr lang="en-US" altLang="ko-KR" b="1" dirty="0">
+                <a:latin typeface="fkGrotesk"/>
+                <a:cs typeface="Arial" panose="020B0604020202020204" pitchFamily="34" charset="0"/>
+              </a:rPr>
+              <a:t>Table 3: </a:t>
+            </a:r>
+            <a:r>
+              <a:rPr lang="en-US" dirty="0">
+                <a:latin typeface="fkGrotesk"/>
+              </a:rPr>
+              <a:t>Segmental bioimpedance variables in 2 groups upon </a:t>
+            </a:r>
+          </a:p>
+          <a:p>
+            <a:r>
+              <a:rPr lang="en-US" dirty="0">
+                <a:latin typeface="fkGrotesk"/>
+              </a:rPr>
+              <a:t>controlling for age, sex, education &amp; GDS score in baseline</a:t>
+            </a:r>
+            <a:endParaRPr lang="ko-KR" altLang="en-US" dirty="0">
+              <a:latin typeface="fkGrotesk"/>
+              <a:cs typeface="Arial" panose="020B0604020202020204" pitchFamily="34" charset="0"/>
+            </a:endParaRPr>
+          </a:p>
+        </p:txBody>
+      </p:sp>
+    </p:spTree>
+    <p:extLst>
+      <p:ext uri="{BB962C8B-B14F-4D97-AF65-F5344CB8AC3E}">
+        <p14:creationId xmlns:p14="http://schemas.microsoft.com/office/powerpoint/2010/main" val="1261011487"/>
+      </p:ext>
+    </p:extLst>
+  </p:cSld>
+  <p:clrMapOvr>
+    <a:masterClrMapping/>
+  </p:clrMapOvr>
+</p:sld>
+</file>
+
+<file path=ppt/slides/slide7.xml><?xml version="1.0" encoding="utf-8"?>
+<p:sld xmlns:a="http://schemas.openxmlformats.org/drawingml/2006/main" xmlns:r="http://schemas.openxmlformats.org/officeDocument/2006/relationships" xmlns:p="http://schemas.openxmlformats.org/presentationml/2006/main">
+  <p:cSld>
+    <p:spTree>
+      <p:nvGrpSpPr>
+        <p:cNvPr id="1" name="">
+          <a:extLst>
+            <a:ext uri="{FF2B5EF4-FFF2-40B4-BE49-F238E27FC236}">
+              <a16:creationId xmlns:a16="http://schemas.microsoft.com/office/drawing/2014/main" id="{9B762185-3166-9446-2EBC-04A76CE7C91A}"/>
+            </a:ext>
+          </a:extLst>
+        </p:cNvPr>
+        <p:cNvGrpSpPr/>
+        <p:nvPr/>
+      </p:nvGrpSpPr>
+      <p:grpSpPr>
+        <a:xfrm>
+          <a:off x="0" y="0"/>
+          <a:ext cx="0" cy="0"/>
+          <a:chOff x="0" y="0"/>
+          <a:chExt cx="0" cy="0"/>
+        </a:xfrm>
+      </p:grpSpPr>
+      <p:sp>
+        <p:nvSpPr>
+          <p:cNvPr id="6" name="TextBox 5">
+            <a:extLst>
+              <a:ext uri="{FF2B5EF4-FFF2-40B4-BE49-F238E27FC236}">
+                <a16:creationId xmlns:a16="http://schemas.microsoft.com/office/drawing/2014/main" id="{2C8260E4-01E4-776A-5CA6-208650672533}"/>
+              </a:ext>
+            </a:extLst>
+          </p:cNvPr>
+          <p:cNvSpPr txBox="1"/>
+          <p:nvPr/>
+        </p:nvSpPr>
+        <p:spPr>
+          <a:xfrm>
+            <a:off x="378148" y="195524"/>
+            <a:ext cx="8280920" cy="400110"/>
+          </a:xfrm>
+          <a:prstGeom prst="rect">
+            <a:avLst/>
+          </a:prstGeom>
+          <a:noFill/>
+        </p:spPr>
+        <p:txBody>
+          <a:bodyPr wrap="square">
+            <a:spAutoFit/>
+          </a:bodyPr>
+          <a:lstStyle/>
+          <a:p>
+            <a:r>
+              <a:rPr lang="en-US" altLang="ko-KR" b="1" dirty="0">
+                <a:latin typeface="fkGrotesk"/>
+                <a:cs typeface="Arial" panose="020B0604020202020204" pitchFamily="34" charset="0"/>
+              </a:rPr>
+              <a:t>LINEAR MIXED EFFECTS (LME)</a:t>
+            </a:r>
+            <a:endParaRPr lang="ko-KR" altLang="en-US" b="1" dirty="0">
+              <a:latin typeface="fkGrotesk"/>
+              <a:cs typeface="Arial" panose="020B0604020202020204" pitchFamily="34" charset="0"/>
+            </a:endParaRPr>
+          </a:p>
+        </p:txBody>
+      </p:sp>
+      <p:sp>
+        <p:nvSpPr>
+          <p:cNvPr id="2" name="TextBox 1">
+            <a:extLst>
+              <a:ext uri="{FF2B5EF4-FFF2-40B4-BE49-F238E27FC236}">
+                <a16:creationId xmlns:a16="http://schemas.microsoft.com/office/drawing/2014/main" id="{CB70B8D0-07F5-83A7-2B44-F702AAD3AF4A}"/>
+              </a:ext>
+            </a:extLst>
+          </p:cNvPr>
+          <p:cNvSpPr txBox="1"/>
+          <p:nvPr/>
+        </p:nvSpPr>
+        <p:spPr>
+          <a:xfrm>
+            <a:off x="378148" y="1980431"/>
+            <a:ext cx="10043534" cy="830997"/>
+          </a:xfrm>
+          <a:prstGeom prst="rect">
+            <a:avLst/>
+          </a:prstGeom>
+          <a:noFill/>
+        </p:spPr>
+        <p:txBody>
+          <a:bodyPr wrap="square">
+            <a:spAutoFit/>
+          </a:bodyPr>
+          <a:lstStyle/>
+          <a:p>
+            <a:r>
+              <a:rPr lang="en-US" sz="2400" dirty="0"/>
+              <a:t>model &lt;- </a:t>
+            </a:r>
+            <a:r>
+              <a:rPr lang="en-US" sz="2400" dirty="0" err="1"/>
+              <a:t>lmer</a:t>
+            </a:r>
+            <a:r>
+              <a:rPr lang="en-US" sz="2400" dirty="0"/>
+              <a:t>(SPR ~ </a:t>
+            </a:r>
+            <a:r>
+              <a:rPr lang="en-US" sz="2400" dirty="0" err="1">
+                <a:solidFill>
+                  <a:schemeClr val="accent1"/>
+                </a:solidFill>
+              </a:rPr>
+              <a:t>elapsed_years</a:t>
+            </a:r>
+            <a:r>
+              <a:rPr lang="en-US" sz="2400" dirty="0">
+                <a:solidFill>
+                  <a:schemeClr val="accent1"/>
+                </a:solidFill>
+              </a:rPr>
+              <a:t>*</a:t>
+            </a:r>
+            <a:r>
+              <a:rPr lang="en-US" sz="2400" dirty="0" err="1">
+                <a:solidFill>
+                  <a:schemeClr val="accent1"/>
+                </a:solidFill>
+              </a:rPr>
+              <a:t>Change_Type</a:t>
+            </a:r>
+            <a:r>
+              <a:rPr lang="en-US" sz="2400" dirty="0">
+                <a:solidFill>
+                  <a:schemeClr val="accent1"/>
+                </a:solidFill>
+              </a:rPr>
+              <a:t> + AGE + SEX + EDUYR  </a:t>
+            </a:r>
+            <a:r>
+              <a:rPr lang="en-US" sz="2400" dirty="0"/>
+              <a:t>+  </a:t>
+            </a:r>
+            <a:r>
+              <a:rPr lang="en-US" sz="2400" dirty="0">
+                <a:solidFill>
+                  <a:srgbClr val="FF0000"/>
+                </a:solidFill>
+              </a:rPr>
+              <a:t>(1 + </a:t>
+            </a:r>
+            <a:r>
+              <a:rPr lang="en-US" sz="2400" dirty="0" err="1">
+                <a:solidFill>
+                  <a:srgbClr val="FF0000"/>
+                </a:solidFill>
+              </a:rPr>
+              <a:t>elapsed_years</a:t>
+            </a:r>
+            <a:r>
+              <a:rPr lang="en-US" sz="2400" dirty="0">
+                <a:solidFill>
+                  <a:srgbClr val="FF0000"/>
+                </a:solidFill>
+              </a:rPr>
+              <a:t>| USUBJID)</a:t>
+            </a:r>
+            <a:r>
+              <a:rPr lang="en-US" sz="2400" dirty="0"/>
+              <a:t>, data = data)</a:t>
+            </a:r>
+          </a:p>
+        </p:txBody>
+      </p:sp>
+    </p:spTree>
+    <p:extLst>
+      <p:ext uri="{BB962C8B-B14F-4D97-AF65-F5344CB8AC3E}">
+        <p14:creationId xmlns:p14="http://schemas.microsoft.com/office/powerpoint/2010/main" val="3577739780"/>
+      </p:ext>
+    </p:extLst>
+  </p:cSld>
+  <p:clrMapOvr>
+    <a:masterClrMapping/>
+  </p:clrMapOvr>
+</p:sld>
+</file>
+
+<file path=ppt/slides/slide8.xml><?xml version="1.0" encoding="utf-8"?>
 <p:sld xmlns:a="http://schemas.openxmlformats.org/drawingml/2006/main" xmlns:r="http://schemas.openxmlformats.org/officeDocument/2006/relationships" xmlns:p="http://schemas.openxmlformats.org/presentationml/2006/main">
   <p:cSld>
     <p:spTree>
